--- a/docs/diagrams/ChangeThemeSequenceDiagrams.pptx
+++ b/docs/diagrams/ChangeThemeSequenceDiagrams.pptx
@@ -209,7 +209,7 @@
           <a:p>
             <a:fld id="{F5CC4B3F-88C1-4FFA-B1B6-F41C21DC6924}" type="datetimeFigureOut">
               <a:rPr lang="en-US" smtClean="0"/>
-              <a:t>3/29/2018</a:t>
+              <a:t>4/10/2018</a:t>
             </a:fld>
             <a:endParaRPr lang="en-US"/>
           </a:p>
@@ -655,7 +655,7 @@
           <a:p>
             <a:fld id="{78C97017-6FC3-485B-9764-EAC9E56C1D49}" type="datetimeFigureOut">
               <a:rPr lang="en-US" smtClean="0"/>
-              <a:t>3/29/2018</a:t>
+              <a:t>4/10/2018</a:t>
             </a:fld>
             <a:endParaRPr lang="en-US"/>
           </a:p>
@@ -823,7 +823,7 @@
           <a:p>
             <a:fld id="{78C97017-6FC3-485B-9764-EAC9E56C1D49}" type="datetimeFigureOut">
               <a:rPr lang="en-US" smtClean="0"/>
-              <a:t>3/29/2018</a:t>
+              <a:t>4/10/2018</a:t>
             </a:fld>
             <a:endParaRPr lang="en-US"/>
           </a:p>
@@ -1001,7 +1001,7 @@
           <a:p>
             <a:fld id="{78C97017-6FC3-485B-9764-EAC9E56C1D49}" type="datetimeFigureOut">
               <a:rPr lang="en-US" smtClean="0"/>
-              <a:t>3/29/2018</a:t>
+              <a:t>4/10/2018</a:t>
             </a:fld>
             <a:endParaRPr lang="en-US"/>
           </a:p>
@@ -1169,7 +1169,7 @@
           <a:p>
             <a:fld id="{78C97017-6FC3-485B-9764-EAC9E56C1D49}" type="datetimeFigureOut">
               <a:rPr lang="en-US" smtClean="0"/>
-              <a:t>3/29/2018</a:t>
+              <a:t>4/10/2018</a:t>
             </a:fld>
             <a:endParaRPr lang="en-US"/>
           </a:p>
@@ -1414,7 +1414,7 @@
           <a:p>
             <a:fld id="{78C97017-6FC3-485B-9764-EAC9E56C1D49}" type="datetimeFigureOut">
               <a:rPr lang="en-US" smtClean="0"/>
-              <a:t>3/29/2018</a:t>
+              <a:t>4/10/2018</a:t>
             </a:fld>
             <a:endParaRPr lang="en-US"/>
           </a:p>
@@ -1699,7 +1699,7 @@
           <a:p>
             <a:fld id="{78C97017-6FC3-485B-9764-EAC9E56C1D49}" type="datetimeFigureOut">
               <a:rPr lang="en-US" smtClean="0"/>
-              <a:t>3/29/2018</a:t>
+              <a:t>4/10/2018</a:t>
             </a:fld>
             <a:endParaRPr lang="en-US"/>
           </a:p>
@@ -2118,7 +2118,7 @@
           <a:p>
             <a:fld id="{78C97017-6FC3-485B-9764-EAC9E56C1D49}" type="datetimeFigureOut">
               <a:rPr lang="en-US" smtClean="0"/>
-              <a:t>3/29/2018</a:t>
+              <a:t>4/10/2018</a:t>
             </a:fld>
             <a:endParaRPr lang="en-US"/>
           </a:p>
@@ -2235,7 +2235,7 @@
           <a:p>
             <a:fld id="{78C97017-6FC3-485B-9764-EAC9E56C1D49}" type="datetimeFigureOut">
               <a:rPr lang="en-US" smtClean="0"/>
-              <a:t>3/29/2018</a:t>
+              <a:t>4/10/2018</a:t>
             </a:fld>
             <a:endParaRPr lang="en-US"/>
           </a:p>
@@ -2330,7 +2330,7 @@
           <a:p>
             <a:fld id="{78C97017-6FC3-485B-9764-EAC9E56C1D49}" type="datetimeFigureOut">
               <a:rPr lang="en-US" smtClean="0"/>
-              <a:t>3/29/2018</a:t>
+              <a:t>4/10/2018</a:t>
             </a:fld>
             <a:endParaRPr lang="en-US"/>
           </a:p>
@@ -2605,7 +2605,7 @@
           <a:p>
             <a:fld id="{78C97017-6FC3-485B-9764-EAC9E56C1D49}" type="datetimeFigureOut">
               <a:rPr lang="en-US" smtClean="0"/>
-              <a:t>3/29/2018</a:t>
+              <a:t>4/10/2018</a:t>
             </a:fld>
             <a:endParaRPr lang="en-US"/>
           </a:p>
@@ -2857,7 +2857,7 @@
           <a:p>
             <a:fld id="{78C97017-6FC3-485B-9764-EAC9E56C1D49}" type="datetimeFigureOut">
               <a:rPr lang="en-US" smtClean="0"/>
-              <a:t>3/29/2018</a:t>
+              <a:t>4/10/2018</a:t>
             </a:fld>
             <a:endParaRPr lang="en-US"/>
           </a:p>
@@ -3068,7 +3068,7 @@
           <a:p>
             <a:fld id="{78C97017-6FC3-485B-9764-EAC9E56C1D49}" type="datetimeFigureOut">
               <a:rPr lang="en-US" smtClean="0"/>
-              <a:t>3/29/2018</a:t>
+              <a:t>4/10/2018</a:t>
             </a:fld>
             <a:endParaRPr lang="en-US"/>
           </a:p>
@@ -5299,6 +5299,62 @@
       </p:grpSpPr>
       <p:sp>
         <p:nvSpPr>
+          <p:cNvPr id="20" name="Rectangle 19">
+            <a:extLst>
+              <a:ext uri="{FF2B5EF4-FFF2-40B4-BE49-F238E27FC236}">
+                <a16:creationId xmlns:a16="http://schemas.microsoft.com/office/drawing/2014/main" id="{1209A43B-655C-4394-B7E0-53AA51ACA5AE}"/>
+              </a:ext>
+            </a:extLst>
+          </p:cNvPr>
+          <p:cNvSpPr/>
+          <p:nvPr/>
+        </p:nvSpPr>
+        <p:spPr>
+          <a:xfrm>
+            <a:off x="533400" y="1875603"/>
+            <a:ext cx="5904086" cy="657749"/>
+          </a:xfrm>
+          <a:prstGeom prst="rect">
+            <a:avLst/>
+          </a:prstGeom>
+          <a:solidFill>
+            <a:schemeClr val="accent2">
+              <a:lumMod val="20000"/>
+              <a:lumOff val="80000"/>
+              <a:alpha val="50000"/>
+            </a:schemeClr>
+          </a:solidFill>
+          <a:ln>
+            <a:solidFill>
+              <a:srgbClr val="C00000"/>
+            </a:solidFill>
+          </a:ln>
+        </p:spPr>
+        <p:style>
+          <a:lnRef idx="0">
+            <a:scrgbClr r="0" g="0" b="0"/>
+          </a:lnRef>
+          <a:fillRef idx="0">
+            <a:scrgbClr r="0" g="0" b="0"/>
+          </a:fillRef>
+          <a:effectRef idx="0">
+            <a:scrgbClr r="0" g="0" b="0"/>
+          </a:effectRef>
+          <a:fontRef idx="minor">
+            <a:schemeClr val="lt1"/>
+          </a:fontRef>
+        </p:style>
+        <p:txBody>
+          <a:bodyPr rtlCol="0" anchor="ctr"/>
+          <a:lstStyle/>
+          <a:p>
+            <a:pPr algn="ctr"/>
+            <a:endParaRPr lang="en-US" dirty="0"/>
+          </a:p>
+        </p:txBody>
+      </p:sp>
+      <p:sp>
+        <p:nvSpPr>
           <p:cNvPr id="2" name="Rectangle 62">
             <a:extLst>
               <a:ext uri="{FF2B5EF4-FFF2-40B4-BE49-F238E27FC236}">
@@ -5430,8 +5486,8 @@
         </p:nvSpPr>
         <p:spPr>
           <a:xfrm>
-            <a:off x="2556702" y="1606638"/>
-            <a:ext cx="149814" cy="2350205"/>
+            <a:off x="2556702" y="1496922"/>
+            <a:ext cx="149800" cy="2459921"/>
           </a:xfrm>
           <a:prstGeom prst="rect">
             <a:avLst/>
@@ -5783,8 +5839,8 @@
         </p:nvSpPr>
         <p:spPr>
           <a:xfrm>
-            <a:off x="4744802" y="1828800"/>
-            <a:ext cx="152955" cy="825472"/>
+            <a:off x="4744803" y="1702322"/>
+            <a:ext cx="144996" cy="951950"/>
           </a:xfrm>
           <a:prstGeom prst="rect">
             <a:avLst/>
@@ -6040,7 +6096,7 @@
         </p:nvCxnSpPr>
         <p:spPr>
           <a:xfrm>
-            <a:off x="2671499" y="1823241"/>
+            <a:off x="2674856" y="1702322"/>
             <a:ext cx="2073303" cy="5558"/>
           </a:xfrm>
           <a:prstGeom prst="straightConnector1">
@@ -6086,7 +6142,7 @@
         <p:spPr>
           <a:xfrm>
             <a:off x="2709658" y="2654272"/>
-            <a:ext cx="2111622" cy="0"/>
+            <a:ext cx="2107643" cy="0"/>
           </a:xfrm>
           <a:prstGeom prst="straightConnector1">
             <a:avLst/>
@@ -6115,6 +6171,341 @@
           </a:fontRef>
         </p:style>
       </p:cxnSp>
+      <p:sp>
+        <p:nvSpPr>
+          <p:cNvPr id="5" name="TextBox 4">
+            <a:extLst>
+              <a:ext uri="{FF2B5EF4-FFF2-40B4-BE49-F238E27FC236}">
+                <a16:creationId xmlns:a16="http://schemas.microsoft.com/office/drawing/2014/main" id="{D4AEE4A2-1F6A-4F25-B80E-C3F6DFED95A5}"/>
+              </a:ext>
+            </a:extLst>
+          </p:cNvPr>
+          <p:cNvSpPr txBox="1"/>
+          <p:nvPr/>
+        </p:nvSpPr>
+        <p:spPr>
+          <a:xfrm>
+            <a:off x="3035452" y="1409695"/>
+            <a:ext cx="1758323" cy="307777"/>
+          </a:xfrm>
+          <a:prstGeom prst="rect">
+            <a:avLst/>
+          </a:prstGeom>
+          <a:noFill/>
+        </p:spPr>
+        <p:txBody>
+          <a:bodyPr wrap="square" rtlCol="0">
+            <a:spAutoFit/>
+          </a:bodyPr>
+          <a:lstStyle/>
+          <a:p>
+            <a:r>
+              <a:rPr lang="en-US" sz="1400" dirty="0" err="1">
+                <a:solidFill>
+                  <a:srgbClr val="00B050"/>
+                </a:solidFill>
+              </a:rPr>
+              <a:t>loadDefaultPage</a:t>
+            </a:r>
+            <a:r>
+              <a:rPr lang="en-US" sz="1400" dirty="0">
+                <a:solidFill>
+                  <a:srgbClr val="00B050"/>
+                </a:solidFill>
+              </a:rPr>
+              <a:t>()</a:t>
+            </a:r>
+          </a:p>
+        </p:txBody>
+      </p:sp>
+      <p:sp>
+        <p:nvSpPr>
+          <p:cNvPr id="22" name="Rectangle: Single Corner Snipped 69">
+            <a:extLst>
+              <a:ext uri="{FF2B5EF4-FFF2-40B4-BE49-F238E27FC236}">
+                <a16:creationId xmlns:a16="http://schemas.microsoft.com/office/drawing/2014/main" id="{2764AC7B-BAE7-4CBE-AE8E-8E04369BAF64}"/>
+              </a:ext>
+            </a:extLst>
+          </p:cNvPr>
+          <p:cNvSpPr>
+            <a:spLocks/>
+          </p:cNvSpPr>
+          <p:nvPr/>
+        </p:nvSpPr>
+        <p:spPr>
+          <a:xfrm>
+            <a:off x="532296" y="1875602"/>
+            <a:ext cx="685800" cy="410397"/>
+          </a:xfrm>
+          <a:custGeom>
+            <a:avLst/>
+            <a:gdLst>
+              <a:gd name="connsiteX0" fmla="*/ 0 w 849693"/>
+              <a:gd name="connsiteY0" fmla="*/ 0 h 538959"/>
+              <a:gd name="connsiteX1" fmla="*/ 580214 w 849693"/>
+              <a:gd name="connsiteY1" fmla="*/ 0 h 538959"/>
+              <a:gd name="connsiteX2" fmla="*/ 849693 w 849693"/>
+              <a:gd name="connsiteY2" fmla="*/ 269480 h 538959"/>
+              <a:gd name="connsiteX3" fmla="*/ 849693 w 849693"/>
+              <a:gd name="connsiteY3" fmla="*/ 538959 h 538959"/>
+              <a:gd name="connsiteX4" fmla="*/ 0 w 849693"/>
+              <a:gd name="connsiteY4" fmla="*/ 538959 h 538959"/>
+              <a:gd name="connsiteX5" fmla="*/ 0 w 849693"/>
+              <a:gd name="connsiteY5" fmla="*/ 0 h 538959"/>
+              <a:gd name="connsiteX0" fmla="*/ 0 w 849693"/>
+              <a:gd name="connsiteY0" fmla="*/ 0 h 538959"/>
+              <a:gd name="connsiteX1" fmla="*/ 842151 w 849693"/>
+              <a:gd name="connsiteY1" fmla="*/ 4762 h 538959"/>
+              <a:gd name="connsiteX2" fmla="*/ 849693 w 849693"/>
+              <a:gd name="connsiteY2" fmla="*/ 269480 h 538959"/>
+              <a:gd name="connsiteX3" fmla="*/ 849693 w 849693"/>
+              <a:gd name="connsiteY3" fmla="*/ 538959 h 538959"/>
+              <a:gd name="connsiteX4" fmla="*/ 0 w 849693"/>
+              <a:gd name="connsiteY4" fmla="*/ 538959 h 538959"/>
+              <a:gd name="connsiteX5" fmla="*/ 0 w 849693"/>
+              <a:gd name="connsiteY5" fmla="*/ 0 h 538959"/>
+              <a:gd name="connsiteX0" fmla="*/ 0 w 849693"/>
+              <a:gd name="connsiteY0" fmla="*/ 0 h 538959"/>
+              <a:gd name="connsiteX1" fmla="*/ 842151 w 849693"/>
+              <a:gd name="connsiteY1" fmla="*/ 4762 h 538959"/>
+              <a:gd name="connsiteX2" fmla="*/ 849693 w 849693"/>
+              <a:gd name="connsiteY2" fmla="*/ 269480 h 538959"/>
+              <a:gd name="connsiteX3" fmla="*/ 611568 w 849693"/>
+              <a:gd name="connsiteY3" fmla="*/ 505622 h 538959"/>
+              <a:gd name="connsiteX4" fmla="*/ 0 w 849693"/>
+              <a:gd name="connsiteY4" fmla="*/ 538959 h 538959"/>
+              <a:gd name="connsiteX5" fmla="*/ 0 w 849693"/>
+              <a:gd name="connsiteY5" fmla="*/ 0 h 538959"/>
+              <a:gd name="connsiteX0" fmla="*/ 0 w 863981"/>
+              <a:gd name="connsiteY0" fmla="*/ 0 h 538959"/>
+              <a:gd name="connsiteX1" fmla="*/ 842151 w 863981"/>
+              <a:gd name="connsiteY1" fmla="*/ 4762 h 538959"/>
+              <a:gd name="connsiteX2" fmla="*/ 863981 w 863981"/>
+              <a:gd name="connsiteY2" fmla="*/ 512367 h 538959"/>
+              <a:gd name="connsiteX3" fmla="*/ 611568 w 863981"/>
+              <a:gd name="connsiteY3" fmla="*/ 505622 h 538959"/>
+              <a:gd name="connsiteX4" fmla="*/ 0 w 863981"/>
+              <a:gd name="connsiteY4" fmla="*/ 538959 h 538959"/>
+              <a:gd name="connsiteX5" fmla="*/ 0 w 863981"/>
+              <a:gd name="connsiteY5" fmla="*/ 0 h 538959"/>
+              <a:gd name="connsiteX0" fmla="*/ 0 w 842151"/>
+              <a:gd name="connsiteY0" fmla="*/ 0 h 538959"/>
+              <a:gd name="connsiteX1" fmla="*/ 842151 w 842151"/>
+              <a:gd name="connsiteY1" fmla="*/ 4762 h 538959"/>
+              <a:gd name="connsiteX2" fmla="*/ 763969 w 842151"/>
+              <a:gd name="connsiteY2" fmla="*/ 402830 h 538959"/>
+              <a:gd name="connsiteX3" fmla="*/ 611568 w 842151"/>
+              <a:gd name="connsiteY3" fmla="*/ 505622 h 538959"/>
+              <a:gd name="connsiteX4" fmla="*/ 0 w 842151"/>
+              <a:gd name="connsiteY4" fmla="*/ 538959 h 538959"/>
+              <a:gd name="connsiteX5" fmla="*/ 0 w 842151"/>
+              <a:gd name="connsiteY5" fmla="*/ 0 h 538959"/>
+              <a:gd name="connsiteX0" fmla="*/ 0 w 842151"/>
+              <a:gd name="connsiteY0" fmla="*/ 0 h 538959"/>
+              <a:gd name="connsiteX1" fmla="*/ 842151 w 842151"/>
+              <a:gd name="connsiteY1" fmla="*/ 4762 h 538959"/>
+              <a:gd name="connsiteX2" fmla="*/ 830644 w 842151"/>
+              <a:gd name="connsiteY2" fmla="*/ 298055 h 538959"/>
+              <a:gd name="connsiteX3" fmla="*/ 611568 w 842151"/>
+              <a:gd name="connsiteY3" fmla="*/ 505622 h 538959"/>
+              <a:gd name="connsiteX4" fmla="*/ 0 w 842151"/>
+              <a:gd name="connsiteY4" fmla="*/ 538959 h 538959"/>
+              <a:gd name="connsiteX5" fmla="*/ 0 w 842151"/>
+              <a:gd name="connsiteY5" fmla="*/ 0 h 538959"/>
+              <a:gd name="connsiteX0" fmla="*/ 0 w 842151"/>
+              <a:gd name="connsiteY0" fmla="*/ 0 h 538959"/>
+              <a:gd name="connsiteX1" fmla="*/ 842151 w 842151"/>
+              <a:gd name="connsiteY1" fmla="*/ 4762 h 538959"/>
+              <a:gd name="connsiteX2" fmla="*/ 835406 w 842151"/>
+              <a:gd name="connsiteY2" fmla="*/ 350443 h 538959"/>
+              <a:gd name="connsiteX3" fmla="*/ 611568 w 842151"/>
+              <a:gd name="connsiteY3" fmla="*/ 505622 h 538959"/>
+              <a:gd name="connsiteX4" fmla="*/ 0 w 842151"/>
+              <a:gd name="connsiteY4" fmla="*/ 538959 h 538959"/>
+              <a:gd name="connsiteX5" fmla="*/ 0 w 842151"/>
+              <a:gd name="connsiteY5" fmla="*/ 0 h 538959"/>
+              <a:gd name="connsiteX0" fmla="*/ 0 w 849694"/>
+              <a:gd name="connsiteY0" fmla="*/ 0 h 538959"/>
+              <a:gd name="connsiteX1" fmla="*/ 842151 w 849694"/>
+              <a:gd name="connsiteY1" fmla="*/ 4762 h 538959"/>
+              <a:gd name="connsiteX2" fmla="*/ 849694 w 849694"/>
+              <a:gd name="connsiteY2" fmla="*/ 350443 h 538959"/>
+              <a:gd name="connsiteX3" fmla="*/ 611568 w 849694"/>
+              <a:gd name="connsiteY3" fmla="*/ 505622 h 538959"/>
+              <a:gd name="connsiteX4" fmla="*/ 0 w 849694"/>
+              <a:gd name="connsiteY4" fmla="*/ 538959 h 538959"/>
+              <a:gd name="connsiteX5" fmla="*/ 0 w 849694"/>
+              <a:gd name="connsiteY5" fmla="*/ 0 h 538959"/>
+              <a:gd name="connsiteX0" fmla="*/ 0 w 849694"/>
+              <a:gd name="connsiteY0" fmla="*/ 0 h 543722"/>
+              <a:gd name="connsiteX1" fmla="*/ 842151 w 849694"/>
+              <a:gd name="connsiteY1" fmla="*/ 4762 h 543722"/>
+              <a:gd name="connsiteX2" fmla="*/ 849694 w 849694"/>
+              <a:gd name="connsiteY2" fmla="*/ 350443 h 543722"/>
+              <a:gd name="connsiteX3" fmla="*/ 768730 w 849694"/>
+              <a:gd name="connsiteY3" fmla="*/ 543722 h 543722"/>
+              <a:gd name="connsiteX4" fmla="*/ 0 w 849694"/>
+              <a:gd name="connsiteY4" fmla="*/ 538959 h 543722"/>
+              <a:gd name="connsiteX5" fmla="*/ 0 w 849694"/>
+              <a:gd name="connsiteY5" fmla="*/ 0 h 543722"/>
+              <a:gd name="connsiteX0" fmla="*/ 0 w 849694"/>
+              <a:gd name="connsiteY0" fmla="*/ 0 h 543722"/>
+              <a:gd name="connsiteX1" fmla="*/ 842151 w 849694"/>
+              <a:gd name="connsiteY1" fmla="*/ 4762 h 543722"/>
+              <a:gd name="connsiteX2" fmla="*/ 849694 w 849694"/>
+              <a:gd name="connsiteY2" fmla="*/ 350443 h 543722"/>
+              <a:gd name="connsiteX3" fmla="*/ 692530 w 849694"/>
+              <a:gd name="connsiteY3" fmla="*/ 543722 h 543722"/>
+              <a:gd name="connsiteX4" fmla="*/ 0 w 849694"/>
+              <a:gd name="connsiteY4" fmla="*/ 538959 h 543722"/>
+              <a:gd name="connsiteX5" fmla="*/ 0 w 849694"/>
+              <a:gd name="connsiteY5" fmla="*/ 0 h 543722"/>
+              <a:gd name="connsiteX0" fmla="*/ 0 w 844932"/>
+              <a:gd name="connsiteY0" fmla="*/ 0 h 543722"/>
+              <a:gd name="connsiteX1" fmla="*/ 842151 w 844932"/>
+              <a:gd name="connsiteY1" fmla="*/ 4762 h 543722"/>
+              <a:gd name="connsiteX2" fmla="*/ 844932 w 844932"/>
+              <a:gd name="connsiteY2" fmla="*/ 412356 h 543722"/>
+              <a:gd name="connsiteX3" fmla="*/ 692530 w 844932"/>
+              <a:gd name="connsiteY3" fmla="*/ 543722 h 543722"/>
+              <a:gd name="connsiteX4" fmla="*/ 0 w 844932"/>
+              <a:gd name="connsiteY4" fmla="*/ 538959 h 543722"/>
+              <a:gd name="connsiteX5" fmla="*/ 0 w 844932"/>
+              <a:gd name="connsiteY5" fmla="*/ 0 h 543722"/>
+            </a:gdLst>
+            <a:ahLst/>
+            <a:cxnLst>
+              <a:cxn ang="0">
+                <a:pos x="connsiteX0" y="connsiteY0"/>
+              </a:cxn>
+              <a:cxn ang="0">
+                <a:pos x="connsiteX1" y="connsiteY1"/>
+              </a:cxn>
+              <a:cxn ang="0">
+                <a:pos x="connsiteX2" y="connsiteY2"/>
+              </a:cxn>
+              <a:cxn ang="0">
+                <a:pos x="connsiteX3" y="connsiteY3"/>
+              </a:cxn>
+              <a:cxn ang="0">
+                <a:pos x="connsiteX4" y="connsiteY4"/>
+              </a:cxn>
+              <a:cxn ang="0">
+                <a:pos x="connsiteX5" y="connsiteY5"/>
+              </a:cxn>
+            </a:cxnLst>
+            <a:rect l="l" t="t" r="r" b="b"/>
+            <a:pathLst>
+              <a:path w="844932" h="543722">
+                <a:moveTo>
+                  <a:pt x="0" y="0"/>
+                </a:moveTo>
+                <a:lnTo>
+                  <a:pt x="842151" y="4762"/>
+                </a:lnTo>
+                <a:lnTo>
+                  <a:pt x="844932" y="412356"/>
+                </a:lnTo>
+                <a:lnTo>
+                  <a:pt x="692530" y="543722"/>
+                </a:lnTo>
+                <a:lnTo>
+                  <a:pt x="0" y="538959"/>
+                </a:lnTo>
+                <a:lnTo>
+                  <a:pt x="0" y="0"/>
+                </a:lnTo>
+                <a:close/>
+              </a:path>
+            </a:pathLst>
+          </a:custGeom>
+          <a:ln w="12700"/>
+        </p:spPr>
+        <p:style>
+          <a:lnRef idx="2">
+            <a:schemeClr val="accent2"/>
+          </a:lnRef>
+          <a:fillRef idx="1">
+            <a:schemeClr val="lt1"/>
+          </a:fillRef>
+          <a:effectRef idx="0">
+            <a:schemeClr val="accent2"/>
+          </a:effectRef>
+          <a:fontRef idx="minor">
+            <a:schemeClr val="dk1"/>
+          </a:fontRef>
+        </p:style>
+        <p:txBody>
+          <a:bodyPr rtlCol="0" anchor="ctr"/>
+          <a:lstStyle/>
+          <a:p>
+            <a:pPr algn="ctr"/>
+            <a:r>
+              <a:rPr lang="en-US" dirty="0">
+                <a:solidFill>
+                  <a:srgbClr val="C00000"/>
+                </a:solidFill>
+              </a:rPr>
+              <a:t>opt</a:t>
+            </a:r>
+          </a:p>
+        </p:txBody>
+      </p:sp>
+      <p:sp>
+        <p:nvSpPr>
+          <p:cNvPr id="23" name="TextBox 22">
+            <a:extLst>
+              <a:ext uri="{FF2B5EF4-FFF2-40B4-BE49-F238E27FC236}">
+                <a16:creationId xmlns:a16="http://schemas.microsoft.com/office/drawing/2014/main" id="{AE7A442B-7FAA-4774-90EA-7841EAF64642}"/>
+              </a:ext>
+            </a:extLst>
+          </p:cNvPr>
+          <p:cNvSpPr txBox="1"/>
+          <p:nvPr/>
+        </p:nvSpPr>
+        <p:spPr>
+          <a:xfrm>
+            <a:off x="1204739" y="1898308"/>
+            <a:ext cx="974694" cy="307777"/>
+          </a:xfrm>
+          <a:prstGeom prst="rect">
+            <a:avLst/>
+          </a:prstGeom>
+          <a:noFill/>
+        </p:spPr>
+        <p:txBody>
+          <a:bodyPr wrap="square" rtlCol="0">
+            <a:spAutoFit/>
+          </a:bodyPr>
+          <a:lstStyle/>
+          <a:p>
+            <a:r>
+              <a:rPr lang="en-US" sz="1400" dirty="0">
+                <a:solidFill>
+                  <a:srgbClr val="C00000"/>
+                </a:solidFill>
+              </a:rPr>
+              <a:t>[</a:t>
+            </a:r>
+            <a:r>
+              <a:rPr lang="en-US" sz="1400" dirty="0" err="1">
+                <a:solidFill>
+                  <a:srgbClr val="C00000"/>
+                </a:solidFill>
+              </a:rPr>
+              <a:t>isLoaded</a:t>
+            </a:r>
+            <a:r>
+              <a:rPr lang="en-US" sz="1400" dirty="0">
+                <a:solidFill>
+                  <a:srgbClr val="C00000"/>
+                </a:solidFill>
+              </a:rPr>
+              <a:t>]</a:t>
+            </a:r>
+          </a:p>
+        </p:txBody>
+      </p:sp>
     </p:spTree>
     <p:extLst>
       <p:ext uri="{BB962C8B-B14F-4D97-AF65-F5344CB8AC3E}">
